--- a/ESP32.pptx
+++ b/ESP32.pptx
@@ -5,10 +5,10 @@
     <p:sldMasterId id="2147483924" r:id="rId1"/>
   </p:sldMasterIdLst>
   <p:notesMasterIdLst>
-    <p:notesMasterId r:id="rId8"/>
+    <p:notesMasterId r:id="rId9"/>
   </p:notesMasterIdLst>
   <p:handoutMasterIdLst>
-    <p:handoutMasterId r:id="rId9"/>
+    <p:handoutMasterId r:id="rId10"/>
   </p:handoutMasterIdLst>
   <p:sldIdLst>
     <p:sldId id="256" r:id="rId2"/>
@@ -16,7 +16,8 @@
     <p:sldId id="257" r:id="rId4"/>
     <p:sldId id="259" r:id="rId5"/>
     <p:sldId id="260" r:id="rId6"/>
-    <p:sldId id="261" r:id="rId7"/>
+    <p:sldId id="262" r:id="rId7"/>
+    <p:sldId id="261" r:id="rId8"/>
   </p:sldIdLst>
   <p:sldSz cx="12192000" cy="6858000"/>
   <p:notesSz cx="6858000" cy="9144000"/>
@@ -115,6 +116,11 @@
       </a:defRPr>
     </a:lvl9pPr>
   </p:defaultTextStyle>
+  <p:extLst>
+    <p:ext uri="{EFAFB233-063F-42B5-8137-9DF3F51BA10A}">
+      <p15:sldGuideLst xmlns:p15="http://schemas.microsoft.com/office/powerpoint/2012/main"/>
+    </p:ext>
+  </p:extLst>
 </p:presentation>
 </file>
 
@@ -200,7 +206,7 @@
           <a:p>
             <a:fld id="{9445E262-8FC4-4283-99C0-D4DA422232A6}" type="datetimeFigureOut">
               <a:rPr lang="fr-CH" smtClean="0"/>
-              <a:t>23.05.2019</a:t>
+              <a:t>24.05.2019</a:t>
             </a:fld>
             <a:endParaRPr lang="fr-CH"/>
           </a:p>
@@ -370,7 +376,7 @@
           <a:p>
             <a:fld id="{38E31C6C-736D-444B-BE8F-3748D68F0CE1}" type="datetimeFigureOut">
               <a:rPr lang="fr-CH" smtClean="0"/>
-              <a:t>23.05.2019</a:t>
+              <a:t>24.05.2019</a:t>
             </a:fld>
             <a:endParaRPr lang="fr-CH"/>
           </a:p>
@@ -776,7 +782,7 @@
           <a:p>
             <a:fld id="{EE8CFF64-622C-44D3-9BC5-7DE1BAA97FAC}" type="datetime1">
               <a:rPr lang="fr-CH" smtClean="0"/>
-              <a:t>23.05.2019</a:t>
+              <a:t>24.05.2019</a:t>
             </a:fld>
             <a:endParaRPr lang="fr-CH"/>
           </a:p>
@@ -1074,7 +1080,7 @@
           <a:p>
             <a:fld id="{3052C526-D37A-454F-8630-5EFF377CC356}" type="datetime1">
               <a:rPr lang="fr-CH" smtClean="0"/>
-              <a:t>23.05.2019</a:t>
+              <a:t>24.05.2019</a:t>
             </a:fld>
             <a:endParaRPr lang="fr-CH"/>
           </a:p>
@@ -1270,7 +1276,7 @@
           <a:p>
             <a:fld id="{071514CE-91AB-4044-8471-0AED94AB55FF}" type="datetime1">
               <a:rPr lang="fr-CH" smtClean="0"/>
-              <a:t>23.05.2019</a:t>
+              <a:t>24.05.2019</a:t>
             </a:fld>
             <a:endParaRPr lang="fr-CH"/>
           </a:p>
@@ -1535,7 +1541,7 @@
           <a:p>
             <a:fld id="{8D23C5D6-5152-4C41-A9E0-2906CEC78A50}" type="datetime1">
               <a:rPr lang="fr-CH" smtClean="0"/>
-              <a:t>23.05.2019</a:t>
+              <a:t>24.05.2019</a:t>
             </a:fld>
             <a:endParaRPr lang="fr-CH"/>
           </a:p>
@@ -1963,7 +1969,7 @@
           <a:p>
             <a:fld id="{94DBE9BE-7040-41F5-8104-85E7DCF71FB4}" type="datetime1">
               <a:rPr lang="fr-CH" smtClean="0"/>
-              <a:t>23.05.2019</a:t>
+              <a:t>24.05.2019</a:t>
             </a:fld>
             <a:endParaRPr lang="fr-CH"/>
           </a:p>
@@ -2513,7 +2519,7 @@
           <a:p>
             <a:fld id="{D71DE289-3BD1-42C4-844D-35EF2C4C0489}" type="datetime1">
               <a:rPr lang="fr-CH" smtClean="0"/>
-              <a:t>23.05.2019</a:t>
+              <a:t>24.05.2019</a:t>
             </a:fld>
             <a:endParaRPr lang="fr-CH"/>
           </a:p>
@@ -3357,7 +3363,7 @@
           <a:p>
             <a:fld id="{B776F3B8-BF1B-40D3-8CAE-3CCA4FAAF4D6}" type="datetime1">
               <a:rPr lang="fr-CH" smtClean="0"/>
-              <a:t>23.05.2019</a:t>
+              <a:t>24.05.2019</a:t>
             </a:fld>
             <a:endParaRPr lang="fr-CH"/>
           </a:p>
@@ -3531,7 +3537,7 @@
           <a:p>
             <a:fld id="{EA81DC15-F7CD-4EF4-A76D-E82BEC40A8F4}" type="datetime1">
               <a:rPr lang="fr-CH" smtClean="0"/>
-              <a:t>23.05.2019</a:t>
+              <a:t>24.05.2019</a:t>
             </a:fld>
             <a:endParaRPr lang="fr-CH"/>
           </a:p>
@@ -3719,7 +3725,7 @@
           <a:p>
             <a:fld id="{C939C5E5-8473-4F13-8E84-C8942B2709B4}" type="datetime1">
               <a:rPr lang="fr-CH" smtClean="0"/>
-              <a:t>23.05.2019</a:t>
+              <a:t>24.05.2019</a:t>
             </a:fld>
             <a:endParaRPr lang="fr-CH"/>
           </a:p>
@@ -3893,7 +3899,7 @@
           <a:p>
             <a:fld id="{85AEDF90-21E4-47DA-BA3F-9F611F397E14}" type="datetime1">
               <a:rPr lang="fr-CH" smtClean="0"/>
-              <a:t>23.05.2019</a:t>
+              <a:t>24.05.2019</a:t>
             </a:fld>
             <a:endParaRPr lang="fr-CH"/>
           </a:p>
@@ -4152,7 +4158,7 @@
           <a:p>
             <a:fld id="{8D1DC0FA-360F-47BA-891A-53A544996A6B}" type="datetime1">
               <a:rPr lang="fr-CH" smtClean="0"/>
-              <a:t>23.05.2019</a:t>
+              <a:t>24.05.2019</a:t>
             </a:fld>
             <a:endParaRPr lang="fr-CH"/>
           </a:p>
@@ -4400,7 +4406,7 @@
           <a:p>
             <a:fld id="{D5683E53-6F27-452C-BCF3-A1A283456977}" type="datetime1">
               <a:rPr lang="fr-CH" smtClean="0"/>
-              <a:t>23.05.2019</a:t>
+              <a:t>24.05.2019</a:t>
             </a:fld>
             <a:endParaRPr lang="fr-CH"/>
           </a:p>
@@ -4782,7 +4788,7 @@
           <a:p>
             <a:fld id="{931E0234-FBF2-4444-96BC-2C3B60A83BE0}" type="datetime1">
               <a:rPr lang="fr-CH" smtClean="0"/>
-              <a:t>23.05.2019</a:t>
+              <a:t>24.05.2019</a:t>
             </a:fld>
             <a:endParaRPr lang="fr-CH"/>
           </a:p>
@@ -4909,7 +4915,7 @@
           <a:p>
             <a:fld id="{0986BEEF-9D27-486F-AD86-8E0D5DA0E748}" type="datetime1">
               <a:rPr lang="fr-CH" smtClean="0"/>
-              <a:t>23.05.2019</a:t>
+              <a:t>24.05.2019</a:t>
             </a:fld>
             <a:endParaRPr lang="fr-CH"/>
           </a:p>
@@ -5008,7 +5014,7 @@
           <a:p>
             <a:fld id="{8F48D6F2-A7AE-46B5-B519-3077763D8798}" type="datetime1">
               <a:rPr lang="fr-CH" smtClean="0"/>
-              <a:t>23.05.2019</a:t>
+              <a:t>24.05.2019</a:t>
             </a:fld>
             <a:endParaRPr lang="fr-CH"/>
           </a:p>
@@ -5263,7 +5269,7 @@
           <a:p>
             <a:fld id="{83A3DC34-7E79-4434-9704-3BB5997F0CC8}" type="datetime1">
               <a:rPr lang="fr-CH" smtClean="0"/>
-              <a:t>23.05.2019</a:t>
+              <a:t>24.05.2019</a:t>
             </a:fld>
             <a:endParaRPr lang="fr-CH"/>
           </a:p>
@@ -5559,7 +5565,7 @@
           <a:p>
             <a:fld id="{1763F445-A5F3-4E6C-9C82-96CFFEEC6622}" type="datetime1">
               <a:rPr lang="fr-CH" smtClean="0"/>
-              <a:t>23.05.2019</a:t>
+              <a:t>24.05.2019</a:t>
             </a:fld>
             <a:endParaRPr lang="fr-CH"/>
           </a:p>
@@ -5776,7 +5782,7 @@
           <a:p>
             <a:fld id="{95820FDC-CEEC-4692-B021-1E66FC44BBC0}" type="datetime1">
               <a:rPr lang="fr-CH" smtClean="0"/>
-              <a:t>23.05.2019</a:t>
+              <a:t>24.05.2019</a:t>
             </a:fld>
             <a:endParaRPr lang="fr-CH"/>
           </a:p>
@@ -6460,8 +6466,19 @@
             </a:r>
             <a:r>
               <a:rPr lang="fr-CH" dirty="0" smtClean="0"/>
-              <a:t> Due</a:t>
-            </a:r>
+              <a:t> </a:t>
+            </a:r>
+            <a:r>
+              <a:rPr lang="fr-CH" dirty="0" smtClean="0"/>
+              <a:t>Due</a:t>
+            </a:r>
+          </a:p>
+          <a:p>
+            <a:r>
+              <a:rPr lang="fr-CH" dirty="0" smtClean="0"/>
+              <a:t>Schéma de l’ESP32</a:t>
+            </a:r>
+            <a:endParaRPr lang="fr-CH" dirty="0" smtClean="0"/>
           </a:p>
           <a:p>
             <a:r>
@@ -6537,15 +6554,11 @@
     <a:masterClrMapping/>
   </p:clrMapOvr>
   <mc:AlternateContent xmlns:mc="http://schemas.openxmlformats.org/markup-compatibility/2006">
-    <mc:Choice xmlns:p15="http://schemas.microsoft.com/office/powerpoint/2012/main" Requires="p15">
-      <p:transition xmlns:p14="http://schemas.microsoft.com/office/powerpoint/2010/main" spd="slow" p14:dur="2000">
-        <p15:prstTrans prst="fallOver"/>
-      </p:transition>
+    <mc:Choice xmlns:p14="http://schemas.microsoft.com/office/powerpoint/2010/main" Requires="p14">
+      <p:transition p14:dur="10"/>
     </mc:Choice>
     <mc:Fallback>
-      <p:transition spd="slow">
-        <p:fade/>
-      </p:transition>
+      <p:transition/>
     </mc:Fallback>
   </mc:AlternateContent>
   <p:timing>
@@ -6883,6 +6896,103 @@
                                   </p:childTnLst>
                                 </p:cTn>
                               </p:par>
+                              <p:par>
+                                <p:cTn id="22" presetID="45" presetClass="entr" presetSubtype="0" fill="hold" grpId="0" nodeType="withEffect">
+                                  <p:stCondLst>
+                                    <p:cond delay="0"/>
+                                  </p:stCondLst>
+                                  <p:childTnLst>
+                                    <p:set>
+                                      <p:cBhvr>
+                                        <p:cTn id="23" dur="1" fill="hold">
+                                          <p:stCondLst>
+                                            <p:cond delay="0"/>
+                                          </p:stCondLst>
+                                        </p:cTn>
+                                        <p:tgtEl>
+                                          <p:spTgt spid="3">
+                                            <p:txEl>
+                                              <p:pRg st="3" end="3"/>
+                                            </p:txEl>
+                                          </p:spTgt>
+                                        </p:tgtEl>
+                                        <p:attrNameLst>
+                                          <p:attrName>style.visibility</p:attrName>
+                                        </p:attrNameLst>
+                                      </p:cBhvr>
+                                      <p:to>
+                                        <p:strVal val="visible"/>
+                                      </p:to>
+                                    </p:set>
+                                    <p:animEffect transition="in" filter="fade">
+                                      <p:cBhvr>
+                                        <p:cTn id="24" dur="2000"/>
+                                        <p:tgtEl>
+                                          <p:spTgt spid="3">
+                                            <p:txEl>
+                                              <p:pRg st="3" end="3"/>
+                                            </p:txEl>
+                                          </p:spTgt>
+                                        </p:tgtEl>
+                                      </p:cBhvr>
+                                    </p:animEffect>
+                                    <p:anim calcmode="lin" valueType="num">
+                                      <p:cBhvr>
+                                        <p:cTn id="25" dur="2000" fill="hold"/>
+                                        <p:tgtEl>
+                                          <p:spTgt spid="3">
+                                            <p:txEl>
+                                              <p:pRg st="3" end="3"/>
+                                            </p:txEl>
+                                          </p:spTgt>
+                                        </p:tgtEl>
+                                        <p:attrNameLst>
+                                          <p:attrName>ppt_w</p:attrName>
+                                        </p:attrNameLst>
+                                      </p:cBhvr>
+                                      <p:tavLst>
+                                        <p:tav tm="0" fmla="#ppt_w*sin(2.5*pi*$)">
+                                          <p:val>
+                                            <p:fltVal val="0"/>
+                                          </p:val>
+                                        </p:tav>
+                                        <p:tav tm="100000">
+                                          <p:val>
+                                            <p:fltVal val="1"/>
+                                          </p:val>
+                                        </p:tav>
+                                      </p:tavLst>
+                                    </p:anim>
+                                    <p:anim calcmode="lin" valueType="num">
+                                      <p:cBhvr>
+                                        <p:cTn id="26" dur="2000" fill="hold"/>
+                                        <p:tgtEl>
+                                          <p:spTgt spid="3">
+                                            <p:txEl>
+                                              <p:pRg st="3" end="3"/>
+                                            </p:txEl>
+                                          </p:spTgt>
+                                        </p:tgtEl>
+                                        <p:attrNameLst>
+                                          <p:attrName>ppt_h</p:attrName>
+                                        </p:attrNameLst>
+                                      </p:cBhvr>
+                                      <p:tavLst>
+                                        <p:tav tm="0">
+                                          <p:val>
+                                            <p:strVal val="#ppt_h"/>
+                                          </p:val>
+                                        </p:tav>
+                                        <p:tav tm="100000">
+                                          <p:val>
+                                            <p:strVal val="#ppt_h"/>
+                                          </p:val>
+                                        </p:tav>
+                                      </p:tavLst>
+                                    </p:anim>
+                                  </p:childTnLst>
+                                </p:cTn>
+                              </p:par>
                             </p:childTnLst>
                           </p:cTn>
                         </p:par>
@@ -6912,7 +7022,7 @@
     </p:tnLst>
     <p:bldLst>
       <p:bldP spid="2" grpId="0"/>
-      <p:bldP spid="3" grpId="0" uiExpand="1" build="p"/>
+      <p:bldP spid="3" grpId="0" build="p"/>
     </p:bldLst>
   </p:timing>
 </p:sld>
@@ -7107,15 +7217,11 @@
     <a:masterClrMapping/>
   </p:clrMapOvr>
   <mc:AlternateContent xmlns:mc="http://schemas.openxmlformats.org/markup-compatibility/2006">
-    <mc:Choice xmlns:p15="http://schemas.microsoft.com/office/powerpoint/2012/main" Requires="p15">
-      <p:transition xmlns:p14="http://schemas.microsoft.com/office/powerpoint/2010/main" spd="slow" p14:dur="6000">
-        <p15:prstTrans prst="curtains"/>
-      </p:transition>
+    <mc:Choice xmlns:p14="http://schemas.microsoft.com/office/powerpoint/2010/main" Requires="p14">
+      <p:transition p14:dur="0"/>
     </mc:Choice>
     <mc:Fallback>
-      <p:transition spd="slow">
-        <p:fade/>
-      </p:transition>
+      <p:transition/>
     </mc:Fallback>
   </mc:AlternateContent>
   <p:timing>
@@ -7947,23 +8053,14 @@
                             </p:childTnLst>
                           </p:cTn>
                         </p:par>
-                      </p:childTnLst>
-                    </p:cTn>
-                  </p:par>
-                  <p:par>
-                    <p:cTn id="15" fill="hold">
-                      <p:stCondLst>
-                        <p:cond delay="indefinite"/>
-                      </p:stCondLst>
-                      <p:childTnLst>
                         <p:par>
-                          <p:cTn id="16" fill="hold">
+                          <p:cTn id="15" fill="hold">
                             <p:stCondLst>
-                              <p:cond delay="0"/>
+                              <p:cond delay="3000"/>
                             </p:stCondLst>
                             <p:childTnLst>
                               <p:par>
-                                <p:cTn id="17" presetID="34" presetClass="emph" presetSubtype="0" fill="hold" grpId="0" nodeType="clickEffect">
+                                <p:cTn id="16" presetID="34" presetClass="emph" presetSubtype="0" fill="hold" grpId="0" nodeType="afterEffect">
                                   <p:stCondLst>
                                     <p:cond delay="0"/>
                                   </p:stCondLst>
@@ -7973,7 +8070,7 @@
                                   <p:childTnLst>
                                     <p:animMotion origin="layout" path="M 0.0 0.0 L 0.0 -0.07213" pathEditMode="relative" ptsTypes="">
                                       <p:cBhvr>
-                                        <p:cTn id="18" dur="250" accel="50000" decel="50000" autoRev="1" fill="hold">
+                                        <p:cTn id="17" dur="250" accel="50000" decel="50000" autoRev="1" fill="hold">
                                           <p:stCondLst>
                                             <p:cond delay="0"/>
                                           </p:stCondLst>
@@ -7993,7 +8090,7 @@
                                     </p:animMotion>
                                     <p:animRot by="1500000">
                                       <p:cBhvr>
-                                        <p:cTn id="19" dur="125" fill="hold">
+                                        <p:cTn id="18" dur="125" fill="hold">
                                           <p:stCondLst>
                                             <p:cond delay="0"/>
                                           </p:stCondLst>
@@ -8012,7 +8109,7 @@
                                     </p:animRot>
                                     <p:animRot by="-1500000">
                                       <p:cBhvr>
-                                        <p:cTn id="20" dur="125" fill="hold">
+                                        <p:cTn id="19" dur="125" fill="hold">
                                           <p:stCondLst>
                                             <p:cond delay="125"/>
                                           </p:stCondLst>
@@ -8031,7 +8128,7 @@
                                     </p:animRot>
                                     <p:animRot by="-1500000">
                                       <p:cBhvr>
-                                        <p:cTn id="21" dur="125" fill="hold">
+                                        <p:cTn id="20" dur="125" fill="hold">
                                           <p:stCondLst>
                                             <p:cond delay="250"/>
                                           </p:stCondLst>
@@ -8050,7 +8147,7 @@
                                     </p:animRot>
                                     <p:animRot by="1500000">
                                       <p:cBhvr>
-                                        <p:cTn id="22" dur="125" fill="hold">
+                                        <p:cTn id="21" dur="125" fill="hold">
                                           <p:stCondLst>
                                             <p:cond delay="375"/>
                                           </p:stCondLst>
@@ -8670,15 +8767,11 @@
     <a:masterClrMapping/>
   </p:clrMapOvr>
   <mc:AlternateContent xmlns:mc="http://schemas.openxmlformats.org/markup-compatibility/2006">
-    <mc:Choice xmlns:p15="http://schemas.microsoft.com/office/powerpoint/2012/main" Requires="p15">
-      <p:transition xmlns:p14="http://schemas.microsoft.com/office/powerpoint/2010/main" spd="slow" p14:dur="3250">
-        <p15:prstTrans prst="origami"/>
-      </p:transition>
+    <mc:Choice xmlns:p14="http://schemas.microsoft.com/office/powerpoint/2010/main" Requires="p14">
+      <p:transition p14:dur="0"/>
     </mc:Choice>
     <mc:Fallback>
-      <p:transition spd="slow">
-        <p:fade/>
-      </p:transition>
+      <p:transition/>
     </mc:Fallback>
   </mc:AlternateContent>
   <p:timing>
@@ -8705,7 +8798,7 @@
                             </p:stCondLst>
                             <p:childTnLst>
                               <p:par>
-                                <p:cTn id="5" presetID="16" presetClass="entr" presetSubtype="21" fill="hold" grpId="0" nodeType="afterEffect">
+                                <p:cTn id="5" presetID="16" presetClass="entr" presetSubtype="21" fill="hold" grpId="0" nodeType="withEffect">
                                   <p:stCondLst>
                                     <p:cond delay="0"/>
                                   </p:stCondLst>
@@ -8820,35 +8913,25 @@
             <p:ph type="title"/>
           </p:nvPr>
         </p:nvSpPr>
-        <p:spPr/>
+        <p:spPr>
+          <a:xfrm>
+            <a:off x="754060" y="12342"/>
+            <a:ext cx="10353761" cy="1326321"/>
+          </a:xfrm>
+        </p:spPr>
         <p:txBody>
           <a:bodyPr/>
           <a:lstStyle/>
           <a:p>
             <a:pPr algn="l"/>
             <a:r>
+              <a:rPr lang="fr-CH" dirty="0" err="1" smtClean="0"/>
+              <a:t>SCHéma</a:t>
+            </a:r>
+            <a:r>
               <a:rPr lang="fr-CH" dirty="0" smtClean="0"/>
-              <a:t>Questions?</a:t>
-            </a:r>
-            <a:endParaRPr lang="fr-CH" dirty="0"/>
-          </a:p>
-        </p:txBody>
-      </p:sp>
-      <p:sp>
-        <p:nvSpPr>
-          <p:cNvPr id="3" name="Espace réservé du contenu 2"/>
-          <p:cNvSpPr>
-            <a:spLocks noGrp="1"/>
-          </p:cNvSpPr>
-          <p:nvPr>
-            <p:ph idx="1"/>
-          </p:nvPr>
-        </p:nvSpPr>
-        <p:spPr/>
-        <p:txBody>
-          <a:bodyPr/>
-          <a:lstStyle/>
-          <a:p>
+              <a:t> de l’esp32</a:t>
+            </a:r>
             <a:endParaRPr lang="fr-CH" dirty="0"/>
           </a:p>
         </p:txBody>
@@ -8894,6 +8977,276 @@
             <a:fld id="{6297733D-39EC-4305-A546-66641F7CB70C}" type="slidenum">
               <a:rPr lang="fr-CH" smtClean="0"/>
               <a:t>6</a:t>
+            </a:fld>
+            <a:endParaRPr lang="fr-CH"/>
+          </a:p>
+        </p:txBody>
+      </p:sp>
+      <p:pic>
+        <p:nvPicPr>
+          <p:cNvPr id="6" name="Image 5"/>
+          <p:cNvPicPr>
+            <a:picLocks noChangeAspect="1"/>
+          </p:cNvPicPr>
+          <p:nvPr/>
+        </p:nvPicPr>
+        <p:blipFill>
+          <a:blip r:embed="rId2">
+            <a:extLst>
+              <a:ext uri="{28A0092B-C50C-407E-A947-70E740481C1C}">
+                <a14:useLocalDpi xmlns:a14="http://schemas.microsoft.com/office/drawing/2010/main" val="0"/>
+              </a:ext>
+            </a:extLst>
+          </a:blip>
+          <a:stretch>
+            <a:fillRect/>
+          </a:stretch>
+        </p:blipFill>
+        <p:spPr>
+          <a:xfrm>
+            <a:off x="2798445" y="922713"/>
+            <a:ext cx="7143750" cy="5026948"/>
+          </a:xfrm>
+          <a:prstGeom prst="rect">
+            <a:avLst/>
+          </a:prstGeom>
+        </p:spPr>
+      </p:pic>
+    </p:spTree>
+    <p:extLst>
+      <p:ext uri="{BB962C8B-B14F-4D97-AF65-F5344CB8AC3E}">
+        <p14:creationId xmlns:p14="http://schemas.microsoft.com/office/powerpoint/2010/main" val="4121672625"/>
+      </p:ext>
+    </p:extLst>
+  </p:cSld>
+  <p:clrMapOvr>
+    <a:masterClrMapping/>
+  </p:clrMapOvr>
+  <p:timing>
+    <p:tnLst>
+      <p:par>
+        <p:cTn id="1" dur="indefinite" restart="never" nodeType="tmRoot">
+          <p:childTnLst>
+            <p:seq concurrent="1" nextAc="seek">
+              <p:cTn id="2" dur="indefinite" nodeType="mainSeq">
+                <p:childTnLst>
+                  <p:par>
+                    <p:cTn id="3" fill="hold">
+                      <p:stCondLst>
+                        <p:cond delay="indefinite"/>
+                      </p:stCondLst>
+                      <p:childTnLst>
+                        <p:par>
+                          <p:cTn id="4" fill="hold">
+                            <p:stCondLst>
+                              <p:cond delay="0"/>
+                            </p:stCondLst>
+                            <p:childTnLst>
+                              <p:par>
+                                <p:cTn id="5" presetID="2" presetClass="entr" presetSubtype="4" fill="hold" nodeType="clickEffect">
+                                  <p:stCondLst>
+                                    <p:cond delay="0"/>
+                                  </p:stCondLst>
+                                  <p:childTnLst>
+                                    <p:set>
+                                      <p:cBhvr>
+                                        <p:cTn id="6" dur="1" fill="hold">
+                                          <p:stCondLst>
+                                            <p:cond delay="0"/>
+                                          </p:stCondLst>
+                                        </p:cTn>
+                                        <p:tgtEl>
+                                          <p:spTgt spid="6"/>
+                                        </p:tgtEl>
+                                        <p:attrNameLst>
+                                          <p:attrName>style.visibility</p:attrName>
+                                        </p:attrNameLst>
+                                      </p:cBhvr>
+                                      <p:to>
+                                        <p:strVal val="visible"/>
+                                      </p:to>
+                                    </p:set>
+                                    <p:anim calcmode="lin" valueType="num">
+                                      <p:cBhvr additive="base">
+                                        <p:cTn id="7" dur="500" fill="hold"/>
+                                        <p:tgtEl>
+                                          <p:spTgt spid="6"/>
+                                        </p:tgtEl>
+                                        <p:attrNameLst>
+                                          <p:attrName>ppt_x</p:attrName>
+                                        </p:attrNameLst>
+                                      </p:cBhvr>
+                                      <p:tavLst>
+                                        <p:tav tm="0">
+                                          <p:val>
+                                            <p:strVal val="#ppt_x"/>
+                                          </p:val>
+                                        </p:tav>
+                                        <p:tav tm="100000">
+                                          <p:val>
+                                            <p:strVal val="#ppt_x"/>
+                                          </p:val>
+                                        </p:tav>
+                                      </p:tavLst>
+                                    </p:anim>
+                                    <p:anim calcmode="lin" valueType="num">
+                                      <p:cBhvr additive="base">
+                                        <p:cTn id="8" dur="500" fill="hold"/>
+                                        <p:tgtEl>
+                                          <p:spTgt spid="6"/>
+                                        </p:tgtEl>
+                                        <p:attrNameLst>
+                                          <p:attrName>ppt_y</p:attrName>
+                                        </p:attrNameLst>
+                                      </p:cBhvr>
+                                      <p:tavLst>
+                                        <p:tav tm="0">
+                                          <p:val>
+                                            <p:strVal val="1+#ppt_h/2"/>
+                                          </p:val>
+                                        </p:tav>
+                                        <p:tav tm="100000">
+                                          <p:val>
+                                            <p:strVal val="#ppt_y"/>
+                                          </p:val>
+                                        </p:tav>
+                                      </p:tavLst>
+                                    </p:anim>
+                                  </p:childTnLst>
+                                </p:cTn>
+                              </p:par>
+                            </p:childTnLst>
+                          </p:cTn>
+                        </p:par>
+                      </p:childTnLst>
+                    </p:cTn>
+                  </p:par>
+                </p:childTnLst>
+              </p:cTn>
+              <p:prevCondLst>
+                <p:cond evt="onPrev" delay="0">
+                  <p:tgtEl>
+                    <p:sldTgt/>
+                  </p:tgtEl>
+                </p:cond>
+              </p:prevCondLst>
+              <p:nextCondLst>
+                <p:cond evt="onNext" delay="0">
+                  <p:tgtEl>
+                    <p:sldTgt/>
+                  </p:tgtEl>
+                </p:cond>
+              </p:nextCondLst>
+            </p:seq>
+          </p:childTnLst>
+        </p:cTn>
+      </p:par>
+    </p:tnLst>
+  </p:timing>
+</p:sld>
+</file>
+
+<file path=ppt/slides/slide7.xml><?xml version="1.0" encoding="utf-8"?>
+<p:sld xmlns:a="http://schemas.openxmlformats.org/drawingml/2006/main" xmlns:r="http://schemas.openxmlformats.org/officeDocument/2006/relationships" xmlns:p="http://schemas.openxmlformats.org/presentationml/2006/main">
+  <p:cSld>
+    <p:spTree>
+      <p:nvGrpSpPr>
+        <p:cNvPr id="1" name=""/>
+        <p:cNvGrpSpPr/>
+        <p:nvPr/>
+      </p:nvGrpSpPr>
+      <p:grpSpPr>
+        <a:xfrm>
+          <a:off x="0" y="0"/>
+          <a:ext cx="0" cy="0"/>
+          <a:chOff x="0" y="0"/>
+          <a:chExt cx="0" cy="0"/>
+        </a:xfrm>
+      </p:grpSpPr>
+      <p:sp>
+        <p:nvSpPr>
+          <p:cNvPr id="2" name="Titre 1"/>
+          <p:cNvSpPr>
+            <a:spLocks noGrp="1"/>
+          </p:cNvSpPr>
+          <p:nvPr>
+            <p:ph type="title"/>
+          </p:nvPr>
+        </p:nvSpPr>
+        <p:spPr/>
+        <p:txBody>
+          <a:bodyPr/>
+          <a:lstStyle/>
+          <a:p>
+            <a:pPr algn="l"/>
+            <a:r>
+              <a:rPr lang="fr-CH" dirty="0" smtClean="0"/>
+              <a:t>Questions?</a:t>
+            </a:r>
+            <a:endParaRPr lang="fr-CH" dirty="0"/>
+          </a:p>
+        </p:txBody>
+      </p:sp>
+      <p:sp>
+        <p:nvSpPr>
+          <p:cNvPr id="3" name="Espace réservé du contenu 2"/>
+          <p:cNvSpPr>
+            <a:spLocks noGrp="1"/>
+          </p:cNvSpPr>
+          <p:nvPr>
+            <p:ph idx="1"/>
+          </p:nvPr>
+        </p:nvSpPr>
+        <p:spPr/>
+        <p:txBody>
+          <a:bodyPr/>
+          <a:lstStyle/>
+          <a:p>
+            <a:endParaRPr lang="fr-CH" dirty="0"/>
+          </a:p>
+        </p:txBody>
+      </p:sp>
+      <p:sp>
+        <p:nvSpPr>
+          <p:cNvPr id="4" name="Espace réservé du pied de page 3"/>
+          <p:cNvSpPr>
+            <a:spLocks noGrp="1"/>
+          </p:cNvSpPr>
+          <p:nvPr>
+            <p:ph type="ftr" sz="quarter" idx="11"/>
+          </p:nvPr>
+        </p:nvSpPr>
+        <p:spPr/>
+        <p:txBody>
+          <a:bodyPr/>
+          <a:lstStyle/>
+          <a:p>
+            <a:r>
+              <a:rPr lang="fr-CH" smtClean="0"/>
+              <a:t>P1704 Adel Kahrimanovic et Joan Maillard</a:t>
+            </a:r>
+            <a:endParaRPr lang="fr-CH"/>
+          </a:p>
+        </p:txBody>
+      </p:sp>
+      <p:sp>
+        <p:nvSpPr>
+          <p:cNvPr id="5" name="Espace réservé du numéro de diapositive 4"/>
+          <p:cNvSpPr>
+            <a:spLocks noGrp="1"/>
+          </p:cNvSpPr>
+          <p:nvPr>
+            <p:ph type="sldNum" sz="quarter" idx="12"/>
+          </p:nvPr>
+        </p:nvSpPr>
+        <p:spPr/>
+        <p:txBody>
+          <a:bodyPr/>
+          <a:lstStyle/>
+          <a:p>
+            <a:fld id="{6297733D-39EC-4305-A546-66641F7CB70C}" type="slidenum">
+              <a:rPr lang="fr-CH" smtClean="0"/>
+              <a:t>7</a:t>
             </a:fld>
             <a:endParaRPr lang="fr-CH"/>
           </a:p>
